--- a/Dokumente/Coaching/2016-12-14/2016-12-14 Rollentätigkeit Matthias Maus.pptx
+++ b/Dokumente/Coaching/2016-12-14/2016-12-14 Rollentätigkeit Matthias Maus.pptx
@@ -149,10 +149,10 @@
   </p:defaultTextStyle>
   <p:extLst>
     <p:ext uri="{EFAFB233-063F-42B5-8137-9DF3F51BA10A}">
-      <p15:sldGuideLst xmlns="" xmlns:p15="http://schemas.microsoft.com/office/powerpoint/2012/main"/>
+      <p15:sldGuideLst xmlns:p15="http://schemas.microsoft.com/office/powerpoint/2012/main" xmlns=""/>
     </p:ext>
     <p:ext uri="{2D200454-40CA-4A62-9FC3-DE9A4176ACB9}">
-      <p15:notesGuideLst xmlns="" xmlns:p15="http://schemas.microsoft.com/office/powerpoint/2012/main"/>
+      <p15:notesGuideLst xmlns:p15="http://schemas.microsoft.com/office/powerpoint/2012/main" xmlns=""/>
     </p:ext>
   </p:extLst>
 </p:presentation>
@@ -256,7 +256,7 @@
               <a:pPr>
                 <a:defRPr/>
               </a:pPr>
-              <a:t>12.12.2016</a:t>
+              <a:t>14.12.2016</a:t>
             </a:fld>
             <a:endParaRPr lang="de-DE"/>
           </a:p>
@@ -442,7 +442,7 @@
               <a:pPr>
                 <a:defRPr/>
               </a:pPr>
-              <a:t>12.12.2016</a:t>
+              <a:t>14.12.2016</a:t>
             </a:fld>
             <a:endParaRPr lang="de-DE"/>
           </a:p>
@@ -877,7 +877,7 @@
           </a:ln>
           <a:extLst>
             <a:ext uri="{909E8E84-426E-40DD-AFC4-6F175D3DCCD1}">
-              <a14:hiddenFill xmlns="" xmlns:a14="http://schemas.microsoft.com/office/drawing/2010/main">
+              <a14:hiddenFill xmlns:a14="http://schemas.microsoft.com/office/drawing/2010/main" xmlns="">
                 <a:solidFill>
                   <a:srgbClr val="FFFFFF"/>
                 </a:solidFill>
@@ -900,14 +900,14 @@
           <a:noFill/>
           <a:extLst>
             <a:ext uri="{909E8E84-426E-40DD-AFC4-6F175D3DCCD1}">
-              <a14:hiddenFill xmlns="" xmlns:a14="http://schemas.microsoft.com/office/drawing/2010/main">
+              <a14:hiddenFill xmlns:a14="http://schemas.microsoft.com/office/drawing/2010/main" xmlns="">
                 <a:solidFill>
                   <a:srgbClr val="FFFFFF"/>
                 </a:solidFill>
               </a14:hiddenFill>
             </a:ext>
             <a:ext uri="{91240B29-F687-4F45-9708-019B960494DF}">
-              <a14:hiddenLine xmlns="" xmlns:a14="http://schemas.microsoft.com/office/drawing/2010/main" w="9525">
+              <a14:hiddenLine xmlns:a14="http://schemas.microsoft.com/office/drawing/2010/main" xmlns="" w="9525">
                 <a:solidFill>
                   <a:srgbClr val="000000"/>
                 </a:solidFill>
@@ -944,14 +944,14 @@
           <a:noFill/>
           <a:extLst>
             <a:ext uri="{909E8E84-426E-40DD-AFC4-6F175D3DCCD1}">
-              <a14:hiddenFill xmlns="" xmlns:a14="http://schemas.microsoft.com/office/drawing/2010/main">
+              <a14:hiddenFill xmlns:a14="http://schemas.microsoft.com/office/drawing/2010/main" xmlns="">
                 <a:solidFill>
                   <a:srgbClr val="FFFFFF"/>
                 </a:solidFill>
               </a14:hiddenFill>
             </a:ext>
             <a:ext uri="{91240B29-F687-4F45-9708-019B960494DF}">
-              <a14:hiddenLine xmlns="" xmlns:a14="http://schemas.microsoft.com/office/drawing/2010/main" w="9525">
+              <a14:hiddenLine xmlns:a14="http://schemas.microsoft.com/office/drawing/2010/main" xmlns="" w="9525">
                 <a:solidFill>
                   <a:srgbClr val="000000"/>
                 </a:solidFill>
@@ -1124,7 +1124,7 @@
           </a:ln>
           <a:extLst>
             <a:ext uri="{909E8E84-426E-40DD-AFC4-6F175D3DCCD1}">
-              <a14:hiddenFill xmlns="" xmlns:a14="http://schemas.microsoft.com/office/drawing/2010/main">
+              <a14:hiddenFill xmlns:a14="http://schemas.microsoft.com/office/drawing/2010/main" xmlns="">
                 <a:solidFill>
                   <a:srgbClr val="FFFFFF"/>
                 </a:solidFill>
@@ -1147,14 +1147,14 @@
           <a:noFill/>
           <a:extLst>
             <a:ext uri="{909E8E84-426E-40DD-AFC4-6F175D3DCCD1}">
-              <a14:hiddenFill xmlns="" xmlns:a14="http://schemas.microsoft.com/office/drawing/2010/main">
+              <a14:hiddenFill xmlns:a14="http://schemas.microsoft.com/office/drawing/2010/main" xmlns="">
                 <a:solidFill>
                   <a:srgbClr val="FFFFFF"/>
                 </a:solidFill>
               </a14:hiddenFill>
             </a:ext>
             <a:ext uri="{91240B29-F687-4F45-9708-019B960494DF}">
-              <a14:hiddenLine xmlns="" xmlns:a14="http://schemas.microsoft.com/office/drawing/2010/main" w="9525">
+              <a14:hiddenLine xmlns:a14="http://schemas.microsoft.com/office/drawing/2010/main" xmlns="" w="9525">
                 <a:solidFill>
                   <a:srgbClr val="000000"/>
                 </a:solidFill>
@@ -1198,14 +1198,14 @@
           <a:noFill/>
           <a:extLst>
             <a:ext uri="{909E8E84-426E-40DD-AFC4-6F175D3DCCD1}">
-              <a14:hiddenFill xmlns="" xmlns:a14="http://schemas.microsoft.com/office/drawing/2010/main">
+              <a14:hiddenFill xmlns:a14="http://schemas.microsoft.com/office/drawing/2010/main" xmlns="">
                 <a:solidFill>
                   <a:srgbClr val="FFFFFF"/>
                 </a:solidFill>
               </a14:hiddenFill>
             </a:ext>
             <a:ext uri="{91240B29-F687-4F45-9708-019B960494DF}">
-              <a14:hiddenLine xmlns="" xmlns:a14="http://schemas.microsoft.com/office/drawing/2010/main" w="9525">
+              <a14:hiddenLine xmlns:a14="http://schemas.microsoft.com/office/drawing/2010/main" xmlns="" w="9525">
                 <a:solidFill>
                   <a:srgbClr val="000000"/>
                 </a:solidFill>
@@ -1330,7 +1330,7 @@
     </p:spTree>
     <p:extLst>
       <p:ext uri="{BB962C8B-B14F-4D97-AF65-F5344CB8AC3E}">
-        <p14:creationId xmlns="" xmlns:p14="http://schemas.microsoft.com/office/powerpoint/2010/main" val="846106236"/>
+        <p14:creationId xmlns:p14="http://schemas.microsoft.com/office/powerpoint/2010/main" xmlns="" val="846106236"/>
       </p:ext>
     </p:extLst>
   </p:cSld>
@@ -1383,7 +1383,7 @@
           </a:ln>
           <a:extLst>
             <a:ext uri="{909E8E84-426E-40DD-AFC4-6F175D3DCCD1}">
-              <a14:hiddenFill xmlns="" xmlns:a14="http://schemas.microsoft.com/office/drawing/2010/main">
+              <a14:hiddenFill xmlns:a14="http://schemas.microsoft.com/office/drawing/2010/main" xmlns="">
                 <a:solidFill>
                   <a:srgbClr val="FFFFFF"/>
                 </a:solidFill>
@@ -1406,14 +1406,14 @@
           <a:noFill/>
           <a:extLst>
             <a:ext uri="{909E8E84-426E-40DD-AFC4-6F175D3DCCD1}">
-              <a14:hiddenFill xmlns="" xmlns:a14="http://schemas.microsoft.com/office/drawing/2010/main">
+              <a14:hiddenFill xmlns:a14="http://schemas.microsoft.com/office/drawing/2010/main" xmlns="">
                 <a:solidFill>
                   <a:srgbClr val="FFFFFF"/>
                 </a:solidFill>
               </a14:hiddenFill>
             </a:ext>
             <a:ext uri="{91240B29-F687-4F45-9708-019B960494DF}">
-              <a14:hiddenLine xmlns="" xmlns:a14="http://schemas.microsoft.com/office/drawing/2010/main" w="9525">
+              <a14:hiddenLine xmlns:a14="http://schemas.microsoft.com/office/drawing/2010/main" xmlns="" w="9525">
                 <a:solidFill>
                   <a:srgbClr val="000000"/>
                 </a:solidFill>
@@ -1450,14 +1450,14 @@
           <a:noFill/>
           <a:extLst>
             <a:ext uri="{909E8E84-426E-40DD-AFC4-6F175D3DCCD1}">
-              <a14:hiddenFill xmlns="" xmlns:a14="http://schemas.microsoft.com/office/drawing/2010/main">
+              <a14:hiddenFill xmlns:a14="http://schemas.microsoft.com/office/drawing/2010/main" xmlns="">
                 <a:solidFill>
                   <a:srgbClr val="FFFFFF"/>
                 </a:solidFill>
               </a14:hiddenFill>
             </a:ext>
             <a:ext uri="{91240B29-F687-4F45-9708-019B960494DF}">
-              <a14:hiddenLine xmlns="" xmlns:a14="http://schemas.microsoft.com/office/drawing/2010/main" w="9525">
+              <a14:hiddenLine xmlns:a14="http://schemas.microsoft.com/office/drawing/2010/main" xmlns="" w="9525">
                 <a:solidFill>
                   <a:srgbClr val="000000"/>
                 </a:solidFill>
@@ -1686,7 +1686,7 @@
           <a:blip r:embed="rId2">
             <a:extLst>
               <a:ext uri="{28A0092B-C50C-407E-A947-70E740481C1C}">
-                <a14:useLocalDpi xmlns="" xmlns:a14="http://schemas.microsoft.com/office/drawing/2010/main" val="0"/>
+                <a14:useLocalDpi xmlns:a14="http://schemas.microsoft.com/office/drawing/2010/main" xmlns="" val="0"/>
               </a:ext>
             </a:extLst>
           </a:blip>
@@ -1709,14 +1709,14 @@
           </a:ln>
           <a:extLst>
             <a:ext uri="{909E8E84-426E-40DD-AFC4-6F175D3DCCD1}">
-              <a14:hiddenFill xmlns="" xmlns:a14="http://schemas.microsoft.com/office/drawing/2010/main">
+              <a14:hiddenFill xmlns:a14="http://schemas.microsoft.com/office/drawing/2010/main" xmlns="">
                 <a:solidFill>
                   <a:srgbClr val="FFFFFF"/>
                 </a:solidFill>
               </a14:hiddenFill>
             </a:ext>
             <a:ext uri="{91240B29-F687-4F45-9708-019B960494DF}">
-              <a14:hiddenLine xmlns="" xmlns:a14="http://schemas.microsoft.com/office/drawing/2010/main" w="9525">
+              <a14:hiddenLine xmlns:a14="http://schemas.microsoft.com/office/drawing/2010/main" xmlns="" w="9525">
                 <a:solidFill>
                   <a:srgbClr val="000000"/>
                 </a:solidFill>
@@ -1951,7 +1951,7 @@
     </p:spTree>
     <p:extLst>
       <p:ext uri="{BB962C8B-B14F-4D97-AF65-F5344CB8AC3E}">
-        <p14:creationId xmlns="" xmlns:p14="http://schemas.microsoft.com/office/powerpoint/2010/main" val="2848153806"/>
+        <p14:creationId xmlns:p14="http://schemas.microsoft.com/office/powerpoint/2010/main" xmlns="" val="2848153806"/>
       </p:ext>
     </p:extLst>
   </p:cSld>
@@ -2060,7 +2060,7 @@
           <a:blip r:embed="rId2">
             <a:extLst>
               <a:ext uri="{28A0092B-C50C-407E-A947-70E740481C1C}">
-                <a14:useLocalDpi xmlns="" xmlns:a14="http://schemas.microsoft.com/office/drawing/2010/main" val="0"/>
+                <a14:useLocalDpi xmlns:a14="http://schemas.microsoft.com/office/drawing/2010/main" xmlns="" val="0"/>
               </a:ext>
             </a:extLst>
           </a:blip>
@@ -2083,14 +2083,14 @@
           </a:ln>
           <a:extLst>
             <a:ext uri="{909E8E84-426E-40DD-AFC4-6F175D3DCCD1}">
-              <a14:hiddenFill xmlns="" xmlns:a14="http://schemas.microsoft.com/office/drawing/2010/main">
+              <a14:hiddenFill xmlns:a14="http://schemas.microsoft.com/office/drawing/2010/main" xmlns="">
                 <a:solidFill>
                   <a:srgbClr val="FFFFFF"/>
                 </a:solidFill>
               </a14:hiddenFill>
             </a:ext>
             <a:ext uri="{91240B29-F687-4F45-9708-019B960494DF}">
-              <a14:hiddenLine xmlns="" xmlns:a14="http://schemas.microsoft.com/office/drawing/2010/main" w="9525">
+              <a14:hiddenLine xmlns:a14="http://schemas.microsoft.com/office/drawing/2010/main" xmlns="" w="9525">
                 <a:solidFill>
                   <a:srgbClr val="000000"/>
                 </a:solidFill>
@@ -2331,7 +2331,7 @@
     </p:spTree>
     <p:extLst>
       <p:ext uri="{BB962C8B-B14F-4D97-AF65-F5344CB8AC3E}">
-        <p14:creationId xmlns="" xmlns:p14="http://schemas.microsoft.com/office/powerpoint/2010/main" val="3881788626"/>
+        <p14:creationId xmlns:p14="http://schemas.microsoft.com/office/powerpoint/2010/main" xmlns="" val="3881788626"/>
       </p:ext>
     </p:extLst>
   </p:cSld>
@@ -2405,7 +2405,7 @@
           <a:blip r:embed="rId2">
             <a:extLst>
               <a:ext uri="{28A0092B-C50C-407E-A947-70E740481C1C}">
-                <a14:useLocalDpi xmlns="" xmlns:a14="http://schemas.microsoft.com/office/drawing/2010/main" val="0"/>
+                <a14:useLocalDpi xmlns:a14="http://schemas.microsoft.com/office/drawing/2010/main" xmlns="" val="0"/>
               </a:ext>
             </a:extLst>
           </a:blip>
@@ -2428,14 +2428,14 @@
           </a:ln>
           <a:extLst>
             <a:ext uri="{909E8E84-426E-40DD-AFC4-6F175D3DCCD1}">
-              <a14:hiddenFill xmlns="" xmlns:a14="http://schemas.microsoft.com/office/drawing/2010/main">
+              <a14:hiddenFill xmlns:a14="http://schemas.microsoft.com/office/drawing/2010/main" xmlns="">
                 <a:solidFill>
                   <a:srgbClr val="FFFFFF"/>
                 </a:solidFill>
               </a14:hiddenFill>
             </a:ext>
             <a:ext uri="{91240B29-F687-4F45-9708-019B960494DF}">
-              <a14:hiddenLine xmlns="" xmlns:a14="http://schemas.microsoft.com/office/drawing/2010/main" w="9525">
+              <a14:hiddenLine xmlns:a14="http://schemas.microsoft.com/office/drawing/2010/main" xmlns="" w="9525">
                 <a:solidFill>
                   <a:srgbClr val="000000"/>
                 </a:solidFill>
@@ -2732,7 +2732,7 @@
     </p:spTree>
     <p:extLst>
       <p:ext uri="{BB962C8B-B14F-4D97-AF65-F5344CB8AC3E}">
-        <p14:creationId xmlns="" xmlns:p14="http://schemas.microsoft.com/office/powerpoint/2010/main" val="40126058"/>
+        <p14:creationId xmlns:p14="http://schemas.microsoft.com/office/powerpoint/2010/main" xmlns="" val="40126058"/>
       </p:ext>
     </p:extLst>
   </p:cSld>
@@ -2806,7 +2806,7 @@
           <a:blip r:embed="rId2">
             <a:extLst>
               <a:ext uri="{28A0092B-C50C-407E-A947-70E740481C1C}">
-                <a14:useLocalDpi xmlns="" xmlns:a14="http://schemas.microsoft.com/office/drawing/2010/main" val="0"/>
+                <a14:useLocalDpi xmlns:a14="http://schemas.microsoft.com/office/drawing/2010/main" xmlns="" val="0"/>
               </a:ext>
             </a:extLst>
           </a:blip>
@@ -2829,14 +2829,14 @@
           </a:ln>
           <a:extLst>
             <a:ext uri="{909E8E84-426E-40DD-AFC4-6F175D3DCCD1}">
-              <a14:hiddenFill xmlns="" xmlns:a14="http://schemas.microsoft.com/office/drawing/2010/main">
+              <a14:hiddenFill xmlns:a14="http://schemas.microsoft.com/office/drawing/2010/main" xmlns="">
                 <a:solidFill>
                   <a:srgbClr val="FFFFFF"/>
                 </a:solidFill>
               </a14:hiddenFill>
             </a:ext>
             <a:ext uri="{91240B29-F687-4F45-9708-019B960494DF}">
-              <a14:hiddenLine xmlns="" xmlns:a14="http://schemas.microsoft.com/office/drawing/2010/main" w="9525">
+              <a14:hiddenLine xmlns:a14="http://schemas.microsoft.com/office/drawing/2010/main" xmlns="" w="9525">
                 <a:solidFill>
                   <a:srgbClr val="000000"/>
                 </a:solidFill>
@@ -3187,7 +3187,7 @@
     </p:spTree>
     <p:extLst>
       <p:ext uri="{BB962C8B-B14F-4D97-AF65-F5344CB8AC3E}">
-        <p14:creationId xmlns="" xmlns:p14="http://schemas.microsoft.com/office/powerpoint/2010/main" val="2248346665"/>
+        <p14:creationId xmlns:p14="http://schemas.microsoft.com/office/powerpoint/2010/main" xmlns="" val="2248346665"/>
       </p:ext>
     </p:extLst>
   </p:cSld>
@@ -3296,7 +3296,7 @@
           <a:blip r:embed="rId2">
             <a:extLst>
               <a:ext uri="{28A0092B-C50C-407E-A947-70E740481C1C}">
-                <a14:useLocalDpi xmlns="" xmlns:a14="http://schemas.microsoft.com/office/drawing/2010/main" val="0"/>
+                <a14:useLocalDpi xmlns:a14="http://schemas.microsoft.com/office/drawing/2010/main" xmlns="" val="0"/>
               </a:ext>
             </a:extLst>
           </a:blip>
@@ -3319,14 +3319,14 @@
           </a:ln>
           <a:extLst>
             <a:ext uri="{909E8E84-426E-40DD-AFC4-6F175D3DCCD1}">
-              <a14:hiddenFill xmlns="" xmlns:a14="http://schemas.microsoft.com/office/drawing/2010/main">
+              <a14:hiddenFill xmlns:a14="http://schemas.microsoft.com/office/drawing/2010/main" xmlns="">
                 <a:solidFill>
                   <a:srgbClr val="FFFFFF"/>
                 </a:solidFill>
               </a14:hiddenFill>
             </a:ext>
             <a:ext uri="{91240B29-F687-4F45-9708-019B960494DF}">
-              <a14:hiddenLine xmlns="" xmlns:a14="http://schemas.microsoft.com/office/drawing/2010/main" w="9525">
+              <a14:hiddenLine xmlns:a14="http://schemas.microsoft.com/office/drawing/2010/main" xmlns="" w="9525">
                 <a:solidFill>
                   <a:srgbClr val="000000"/>
                 </a:solidFill>
@@ -3474,7 +3474,7 @@
     </p:spTree>
     <p:extLst>
       <p:ext uri="{BB962C8B-B14F-4D97-AF65-F5344CB8AC3E}">
-        <p14:creationId xmlns="" xmlns:p14="http://schemas.microsoft.com/office/powerpoint/2010/main" val="3142583899"/>
+        <p14:creationId xmlns:p14="http://schemas.microsoft.com/office/powerpoint/2010/main" xmlns="" val="3142583899"/>
       </p:ext>
     </p:extLst>
   </p:cSld>
@@ -3533,14 +3533,14 @@
           </a:ln>
           <a:extLst>
             <a:ext uri="{909E8E84-426E-40DD-AFC4-6F175D3DCCD1}">
-              <a14:hiddenFill xmlns="" xmlns:a14="http://schemas.microsoft.com/office/drawing/2010/main">
+              <a14:hiddenFill xmlns:a14="http://schemas.microsoft.com/office/drawing/2010/main" xmlns="">
                 <a:solidFill>
                   <a:srgbClr val="FFFFFF"/>
                 </a:solidFill>
               </a14:hiddenFill>
             </a:ext>
             <a:ext uri="{91240B29-F687-4F45-9708-019B960494DF}">
-              <a14:hiddenLine xmlns="" xmlns:a14="http://schemas.microsoft.com/office/drawing/2010/main" w="9525">
+              <a14:hiddenLine xmlns:a14="http://schemas.microsoft.com/office/drawing/2010/main" xmlns="" w="9525">
                 <a:solidFill>
                   <a:srgbClr val="000000"/>
                 </a:solidFill>
@@ -3591,14 +3591,14 @@
           </a:ln>
           <a:extLst>
             <a:ext uri="{909E8E84-426E-40DD-AFC4-6F175D3DCCD1}">
-              <a14:hiddenFill xmlns="" xmlns:a14="http://schemas.microsoft.com/office/drawing/2010/main">
+              <a14:hiddenFill xmlns:a14="http://schemas.microsoft.com/office/drawing/2010/main" xmlns="">
                 <a:solidFill>
                   <a:srgbClr val="FFFFFF"/>
                 </a:solidFill>
               </a14:hiddenFill>
             </a:ext>
             <a:ext uri="{91240B29-F687-4F45-9708-019B960494DF}">
-              <a14:hiddenLine xmlns="" xmlns:a14="http://schemas.microsoft.com/office/drawing/2010/main" w="9525">
+              <a14:hiddenLine xmlns:a14="http://schemas.microsoft.com/office/drawing/2010/main" xmlns="" w="9525">
                 <a:solidFill>
                   <a:srgbClr val="000000"/>
                 </a:solidFill>
@@ -4331,14 +4331,14 @@
           <a:noFill/>
           <a:extLst>
             <a:ext uri="{909E8E84-426E-40DD-AFC4-6F175D3DCCD1}">
-              <a14:hiddenFill xmlns="" xmlns:a14="http://schemas.microsoft.com/office/drawing/2010/main">
+              <a14:hiddenFill xmlns:a14="http://schemas.microsoft.com/office/drawing/2010/main" xmlns="">
                 <a:solidFill>
                   <a:srgbClr val="FFFFFF"/>
                 </a:solidFill>
               </a14:hiddenFill>
             </a:ext>
             <a:ext uri="{91240B29-F687-4F45-9708-019B960494DF}">
-              <a14:hiddenLine xmlns="" xmlns:a14="http://schemas.microsoft.com/office/drawing/2010/main" w="9525">
+              <a14:hiddenLine xmlns:a14="http://schemas.microsoft.com/office/drawing/2010/main" xmlns="" w="9525">
                 <a:solidFill>
                   <a:srgbClr val="000000"/>
                 </a:solidFill>
@@ -4478,14 +4478,14 @@
           <a:noFill/>
           <a:extLst>
             <a:ext uri="{909E8E84-426E-40DD-AFC4-6F175D3DCCD1}">
-              <a14:hiddenFill xmlns="" xmlns:a14="http://schemas.microsoft.com/office/drawing/2010/main">
+              <a14:hiddenFill xmlns:a14="http://schemas.microsoft.com/office/drawing/2010/main" xmlns="">
                 <a:solidFill>
                   <a:srgbClr val="FFFFFF"/>
                 </a:solidFill>
               </a14:hiddenFill>
             </a:ext>
             <a:ext uri="{91240B29-F687-4F45-9708-019B960494DF}">
-              <a14:hiddenLine xmlns="" xmlns:a14="http://schemas.microsoft.com/office/drawing/2010/main" w="9525">
+              <a14:hiddenLine xmlns:a14="http://schemas.microsoft.com/office/drawing/2010/main" xmlns="" w="9525">
                 <a:solidFill>
                   <a:srgbClr val="000000"/>
                 </a:solidFill>
@@ -4641,6 +4641,13 @@
   <p:clrMapOvr>
     <a:masterClrMapping/>
   </p:clrMapOvr>
+  <p:timing>
+    <p:tnLst>
+      <p:par>
+        <p:cTn id="1" dur="indefinite" restart="never" nodeType="tmRoot"/>
+      </p:par>
+    </p:tnLst>
+  </p:timing>
 </p:sld>
 </file>
 
@@ -4698,27 +4705,7 @@
           <a:bodyPr/>
           <a:lstStyle/>
           <a:p>
-            <a:pPr marL="342900" indent="-342900">
-              <a:buFont typeface="Arial" panose="020B0604020202020204" pitchFamily="34" charset="0"/>
-              <a:buChar char="•"/>
-            </a:pPr>
-            <a:endParaRPr lang="de-DE" altLang="de-DE" sz="2400" dirty="0"/>
-          </a:p>
-          <a:p>
-            <a:pPr marL="342900" indent="-342900">
-              <a:buFont typeface="Arial" panose="020B0604020202020204" pitchFamily="34" charset="0"/>
-              <a:buChar char="•"/>
-            </a:pPr>
-            <a:r>
-              <a:rPr lang="de-DE" altLang="de-DE" sz="2400" dirty="0"/>
-              <a:t>Bisherige Tätigkeiten</a:t>
-            </a:r>
-          </a:p>
-          <a:p>
-            <a:pPr marL="342900" indent="-342900">
-              <a:buFont typeface="Arial" panose="020B0604020202020204" pitchFamily="34" charset="0"/>
-              <a:buChar char="•"/>
-            </a:pPr>
+            <a:pPr marL="342900" indent="-342900"/>
             <a:endParaRPr lang="de-DE" sz="2400" dirty="0"/>
           </a:p>
           <a:p>
@@ -4884,13 +4871,20 @@
     </p:spTree>
     <p:extLst>
       <p:ext uri="{BB962C8B-B14F-4D97-AF65-F5344CB8AC3E}">
-        <p14:creationId xmlns="" xmlns:p14="http://schemas.microsoft.com/office/powerpoint/2010/main" val="3012252477"/>
+        <p14:creationId xmlns:p14="http://schemas.microsoft.com/office/powerpoint/2010/main" xmlns="" val="3012252477"/>
       </p:ext>
     </p:extLst>
   </p:cSld>
   <p:clrMapOvr>
     <a:masterClrMapping/>
   </p:clrMapOvr>
+  <p:timing>
+    <p:tnLst>
+      <p:par>
+        <p:cTn id="1" dur="indefinite" restart="never" nodeType="tmRoot"/>
+      </p:par>
+    </p:tnLst>
+  </p:timing>
 </p:sld>
 </file>
 
@@ -4978,11 +4972,7 @@
             </a:pPr>
             <a:r>
               <a:rPr lang="de-DE" altLang="de-DE" dirty="0" smtClean="0"/>
-              <a:t>Projektplan aufstellen und </a:t>
-            </a:r>
-            <a:r>
-              <a:rPr lang="de-DE" altLang="de-DE" dirty="0" smtClean="0"/>
-              <a:t>aktualisieren</a:t>
+              <a:t>Projektplan aufstellen und aktualisieren</a:t>
             </a:r>
           </a:p>
           <a:p>
@@ -4994,7 +4984,6 @@
               <a:rPr lang="de-DE" altLang="de-DE" dirty="0" smtClean="0"/>
               <a:t>Zeiterfassung</a:t>
             </a:r>
-            <a:endParaRPr lang="de-DE" altLang="de-DE" dirty="0" smtClean="0"/>
           </a:p>
           <a:p>
             <a:pPr eaLnBrk="1" hangingPunct="1">
@@ -5034,8 +5023,19 @@
           <a:p>
             <a:pPr eaLnBrk="1" hangingPunct="1"/>
             <a:r>
+              <a:rPr lang="de-DE" altLang="de-DE" dirty="0" smtClean="0"/>
+              <a:t>Zeitaufteilung</a:t>
+            </a:r>
+            <a:br>
+              <a:rPr lang="de-DE" altLang="de-DE" dirty="0" smtClean="0"/>
+            </a:br>
+            <a:r>
+              <a:rPr lang="de-DE" altLang="de-DE" dirty="0" smtClean="0"/>
+              <a:t>Bisherige </a:t>
+            </a:r>
+            <a:r>
               <a:rPr lang="de-DE" altLang="de-DE" dirty="0"/>
-              <a:t>Bisherige Tätigkeiten</a:t>
+              <a:t>Tätigkeiten</a:t>
             </a:r>
           </a:p>
         </p:txBody>
@@ -5140,14 +5140,14 @@
           <a:noFill/>
           <a:extLst>
             <a:ext uri="{909E8E84-426E-40DD-AFC4-6F175D3DCCD1}">
-              <a14:hiddenFill xmlns="" xmlns:a14="http://schemas.microsoft.com/office/drawing/2010/main">
+              <a14:hiddenFill xmlns:a14="http://schemas.microsoft.com/office/drawing/2010/main" xmlns="">
                 <a:solidFill>
                   <a:srgbClr val="FFFFFF"/>
                 </a:solidFill>
               </a14:hiddenFill>
             </a:ext>
             <a:ext uri="{91240B29-F687-4F45-9708-019B960494DF}">
-              <a14:hiddenLine xmlns="" xmlns:a14="http://schemas.microsoft.com/office/drawing/2010/main" w="9525">
+              <a14:hiddenLine xmlns:a14="http://schemas.microsoft.com/office/drawing/2010/main" xmlns="" w="9525">
                 <a:solidFill>
                   <a:srgbClr val="000000"/>
                 </a:solidFill>
@@ -5297,14 +5297,14 @@
           <a:noFill/>
           <a:extLst>
             <a:ext uri="{909E8E84-426E-40DD-AFC4-6F175D3DCCD1}">
-              <a14:hiddenFill xmlns="" xmlns:a14="http://schemas.microsoft.com/office/drawing/2010/main">
+              <a14:hiddenFill xmlns:a14="http://schemas.microsoft.com/office/drawing/2010/main" xmlns="">
                 <a:solidFill>
                   <a:srgbClr val="FFFFFF"/>
                 </a:solidFill>
               </a14:hiddenFill>
             </a:ext>
             <a:ext uri="{91240B29-F687-4F45-9708-019B960494DF}">
-              <a14:hiddenLine xmlns="" xmlns:a14="http://schemas.microsoft.com/office/drawing/2010/main" w="9525">
+              <a14:hiddenLine xmlns:a14="http://schemas.microsoft.com/office/drawing/2010/main" xmlns="" w="9525">
                 <a:solidFill>
                   <a:srgbClr val="000000"/>
                 </a:solidFill>
@@ -5444,14 +5444,14 @@
           <a:noFill/>
           <a:extLst>
             <a:ext uri="{909E8E84-426E-40DD-AFC4-6F175D3DCCD1}">
-              <a14:hiddenFill xmlns="" xmlns:a14="http://schemas.microsoft.com/office/drawing/2010/main">
+              <a14:hiddenFill xmlns:a14="http://schemas.microsoft.com/office/drawing/2010/main" xmlns="">
                 <a:solidFill>
                   <a:srgbClr val="FFFFFF"/>
                 </a:solidFill>
               </a14:hiddenFill>
             </a:ext>
             <a:ext uri="{91240B29-F687-4F45-9708-019B960494DF}">
-              <a14:hiddenLine xmlns="" xmlns:a14="http://schemas.microsoft.com/office/drawing/2010/main" w="9525">
+              <a14:hiddenLine xmlns:a14="http://schemas.microsoft.com/office/drawing/2010/main" xmlns="" w="9525">
                 <a:solidFill>
                   <a:srgbClr val="000000"/>
                 </a:solidFill>
@@ -5592,6 +5592,13 @@
   <p:clrMapOvr>
     <a:masterClrMapping/>
   </p:clrMapOvr>
+  <p:timing>
+    <p:tnLst>
+      <p:par>
+        <p:cTn id="1" dur="indefinite" restart="never" nodeType="tmRoot"/>
+      </p:par>
+    </p:tnLst>
+  </p:timing>
 </p:sld>
 </file>
 
@@ -5628,8 +5635,23 @@
           <a:lstStyle/>
           <a:p>
             <a:r>
+              <a:rPr lang="de-DE" altLang="de-DE" dirty="0" smtClean="0"/>
+              <a:t>Zeitaufteilung </a:t>
+            </a:r>
+            <a:r>
               <a:rPr lang="de-DE" dirty="0" smtClean="0"/>
-              <a:t>Erwartete zukünftige </a:t>
+              <a:t/>
+            </a:r>
+            <a:br>
+              <a:rPr lang="de-DE" dirty="0" smtClean="0"/>
+            </a:br>
+            <a:r>
+              <a:rPr lang="de-DE" dirty="0" smtClean="0"/>
+              <a:t>Erwartete </a:t>
+            </a:r>
+            <a:r>
+              <a:rPr lang="de-DE" dirty="0" smtClean="0"/>
+              <a:t>zukünftige </a:t>
             </a:r>
             <a:r>
               <a:rPr lang="de-DE" dirty="0"/>
@@ -5791,14 +5813,14 @@
           <a:noFill/>
           <a:extLst>
             <a:ext uri="{909E8E84-426E-40DD-AFC4-6F175D3DCCD1}">
-              <a14:hiddenFill xmlns="" xmlns:a14="http://schemas.microsoft.com/office/drawing/2010/main">
+              <a14:hiddenFill xmlns:a14="http://schemas.microsoft.com/office/drawing/2010/main" xmlns="">
                 <a:solidFill>
                   <a:srgbClr val="FFFFFF"/>
                 </a:solidFill>
               </a14:hiddenFill>
             </a:ext>
             <a:ext uri="{91240B29-F687-4F45-9708-019B960494DF}">
-              <a14:hiddenLine xmlns="" xmlns:a14="http://schemas.microsoft.com/office/drawing/2010/main" w="9525">
+              <a14:hiddenLine xmlns:a14="http://schemas.microsoft.com/office/drawing/2010/main" xmlns="" w="9525">
                 <a:solidFill>
                   <a:srgbClr val="000000"/>
                 </a:solidFill>
@@ -5937,13 +5959,20 @@
     </p:spTree>
     <p:extLst>
       <p:ext uri="{BB962C8B-B14F-4D97-AF65-F5344CB8AC3E}">
-        <p14:creationId xmlns="" xmlns:p14="http://schemas.microsoft.com/office/powerpoint/2010/main" val="2224920320"/>
+        <p14:creationId xmlns:p14="http://schemas.microsoft.com/office/powerpoint/2010/main" xmlns="" val="2224920320"/>
       </p:ext>
     </p:extLst>
   </p:cSld>
   <p:clrMapOvr>
     <a:masterClrMapping/>
   </p:clrMapOvr>
+  <p:timing>
+    <p:tnLst>
+      <p:par>
+        <p:cTn id="1" dur="indefinite" restart="never" nodeType="tmRoot"/>
+      </p:par>
+    </p:tnLst>
+  </p:timing>
 </p:sld>
 </file>
 
@@ -5980,8 +6009,19 @@
           <a:lstStyle/>
           <a:p>
             <a:r>
+              <a:rPr lang="de-DE" dirty="0" smtClean="0"/>
+              <a:t>Zeitaufteilung</a:t>
+            </a:r>
+            <a:br>
+              <a:rPr lang="de-DE" dirty="0" smtClean="0"/>
+            </a:br>
+            <a:r>
+              <a:rPr lang="de-DE" dirty="0" smtClean="0"/>
+              <a:t>Statistik</a:t>
+            </a:r>
+            <a:r>
               <a:rPr lang="de-DE" dirty="0"/>
-              <a:t>Zeitaufteilung</a:t>
+              <a:t/>
             </a:r>
             <a:br>
               <a:rPr lang="de-DE" dirty="0"/>
@@ -6124,14 +6164,14 @@
           <a:noFill/>
           <a:extLst>
             <a:ext uri="{909E8E84-426E-40DD-AFC4-6F175D3DCCD1}">
-              <a14:hiddenFill xmlns="" xmlns:a14="http://schemas.microsoft.com/office/drawing/2010/main">
+              <a14:hiddenFill xmlns:a14="http://schemas.microsoft.com/office/drawing/2010/main" xmlns="">
                 <a:solidFill>
                   <a:srgbClr val="FFFFFF"/>
                 </a:solidFill>
               </a14:hiddenFill>
             </a:ext>
             <a:ext uri="{91240B29-F687-4F45-9708-019B960494DF}">
-              <a14:hiddenLine xmlns="" xmlns:a14="http://schemas.microsoft.com/office/drawing/2010/main" w="9525">
+              <a14:hiddenLine xmlns:a14="http://schemas.microsoft.com/office/drawing/2010/main" xmlns="" w="9525">
                 <a:solidFill>
                   <a:srgbClr val="000000"/>
                 </a:solidFill>
@@ -6270,13 +6310,20 @@
     </p:spTree>
     <p:extLst>
       <p:ext uri="{BB962C8B-B14F-4D97-AF65-F5344CB8AC3E}">
-        <p14:creationId xmlns="" xmlns:p14="http://schemas.microsoft.com/office/powerpoint/2010/main" val="3375061061"/>
+        <p14:creationId xmlns:p14="http://schemas.microsoft.com/office/powerpoint/2010/main" xmlns="" val="3375061061"/>
       </p:ext>
     </p:extLst>
   </p:cSld>
   <p:clrMapOvr>
     <a:masterClrMapping/>
   </p:clrMapOvr>
+  <p:timing>
+    <p:tnLst>
+      <p:par>
+        <p:cTn id="1" dur="indefinite" restart="never" nodeType="tmRoot"/>
+      </p:par>
+    </p:tnLst>
+  </p:timing>
 </p:sld>
 </file>
 
@@ -6445,14 +6492,14 @@
           <a:noFill/>
           <a:extLst>
             <a:ext uri="{909E8E84-426E-40DD-AFC4-6F175D3DCCD1}">
-              <a14:hiddenFill xmlns="" xmlns:a14="http://schemas.microsoft.com/office/drawing/2010/main">
+              <a14:hiddenFill xmlns:a14="http://schemas.microsoft.com/office/drawing/2010/main" xmlns="">
                 <a:solidFill>
                   <a:srgbClr val="FFFFFF"/>
                 </a:solidFill>
               </a14:hiddenFill>
             </a:ext>
             <a:ext uri="{91240B29-F687-4F45-9708-019B960494DF}">
-              <a14:hiddenLine xmlns="" xmlns:a14="http://schemas.microsoft.com/office/drawing/2010/main" w="9525">
+              <a14:hiddenLine xmlns:a14="http://schemas.microsoft.com/office/drawing/2010/main" xmlns="" w="9525">
                 <a:solidFill>
                   <a:srgbClr val="000000"/>
                 </a:solidFill>
@@ -6592,14 +6639,14 @@
           <a:noFill/>
           <a:extLst>
             <a:ext uri="{909E8E84-426E-40DD-AFC4-6F175D3DCCD1}">
-              <a14:hiddenFill xmlns="" xmlns:a14="http://schemas.microsoft.com/office/drawing/2010/main">
+              <a14:hiddenFill xmlns:a14="http://schemas.microsoft.com/office/drawing/2010/main" xmlns="">
                 <a:solidFill>
                   <a:srgbClr val="FFFFFF"/>
                 </a:solidFill>
               </a14:hiddenFill>
             </a:ext>
             <a:ext uri="{91240B29-F687-4F45-9708-019B960494DF}">
-              <a14:hiddenLine xmlns="" xmlns:a14="http://schemas.microsoft.com/office/drawing/2010/main" w="9525">
+              <a14:hiddenLine xmlns:a14="http://schemas.microsoft.com/office/drawing/2010/main" xmlns="" w="9525">
                 <a:solidFill>
                   <a:srgbClr val="000000"/>
                 </a:solidFill>
@@ -6756,14 +6803,14 @@
           <a:noFill/>
           <a:extLst>
             <a:ext uri="{909E8E84-426E-40DD-AFC4-6F175D3DCCD1}">
-              <a14:hiddenFill xmlns="" xmlns:a14="http://schemas.microsoft.com/office/drawing/2010/main">
+              <a14:hiddenFill xmlns:a14="http://schemas.microsoft.com/office/drawing/2010/main" xmlns="">
                 <a:solidFill>
                   <a:srgbClr val="FFFFFF"/>
                 </a:solidFill>
               </a14:hiddenFill>
             </a:ext>
             <a:ext uri="{91240B29-F687-4F45-9708-019B960494DF}">
-              <a14:hiddenLine xmlns="" xmlns:a14="http://schemas.microsoft.com/office/drawing/2010/main" w="9525">
+              <a14:hiddenLine xmlns:a14="http://schemas.microsoft.com/office/drawing/2010/main" xmlns="" w="9525">
                 <a:solidFill>
                   <a:srgbClr val="000000"/>
                 </a:solidFill>
@@ -6904,6 +6951,13 @@
   <p:clrMapOvr>
     <a:masterClrMapping/>
   </p:clrMapOvr>
+  <p:timing>
+    <p:tnLst>
+      <p:par>
+        <p:cTn id="1" dur="indefinite" restart="never" nodeType="tmRoot"/>
+      </p:par>
+    </p:tnLst>
+  </p:timing>
 </p:sld>
 </file>
 
@@ -7114,14 +7168,14 @@
           <a:noFill/>
           <a:extLst>
             <a:ext uri="{909E8E84-426E-40DD-AFC4-6F175D3DCCD1}">
-              <a14:hiddenFill xmlns="" xmlns:a14="http://schemas.microsoft.com/office/drawing/2010/main">
+              <a14:hiddenFill xmlns:a14="http://schemas.microsoft.com/office/drawing/2010/main" xmlns="">
                 <a:solidFill>
                   <a:srgbClr val="FFFFFF"/>
                 </a:solidFill>
               </a14:hiddenFill>
             </a:ext>
             <a:ext uri="{91240B29-F687-4F45-9708-019B960494DF}">
-              <a14:hiddenLine xmlns="" xmlns:a14="http://schemas.microsoft.com/office/drawing/2010/main" w="9525">
+              <a14:hiddenLine xmlns:a14="http://schemas.microsoft.com/office/drawing/2010/main" xmlns="" w="9525">
                 <a:solidFill>
                   <a:srgbClr val="000000"/>
                 </a:solidFill>
@@ -7261,14 +7315,14 @@
           <a:noFill/>
           <a:extLst>
             <a:ext uri="{909E8E84-426E-40DD-AFC4-6F175D3DCCD1}">
-              <a14:hiddenFill xmlns="" xmlns:a14="http://schemas.microsoft.com/office/drawing/2010/main">
+              <a14:hiddenFill xmlns:a14="http://schemas.microsoft.com/office/drawing/2010/main" xmlns="">
                 <a:solidFill>
                   <a:srgbClr val="FFFFFF"/>
                 </a:solidFill>
               </a14:hiddenFill>
             </a:ext>
             <a:ext uri="{91240B29-F687-4F45-9708-019B960494DF}">
-              <a14:hiddenLine xmlns="" xmlns:a14="http://schemas.microsoft.com/office/drawing/2010/main" w="9525">
+              <a14:hiddenLine xmlns:a14="http://schemas.microsoft.com/office/drawing/2010/main" xmlns="" w="9525">
                 <a:solidFill>
                   <a:srgbClr val="000000"/>
                 </a:solidFill>
@@ -7425,14 +7479,14 @@
           <a:noFill/>
           <a:extLst>
             <a:ext uri="{909E8E84-426E-40DD-AFC4-6F175D3DCCD1}">
-              <a14:hiddenFill xmlns="" xmlns:a14="http://schemas.microsoft.com/office/drawing/2010/main">
+              <a14:hiddenFill xmlns:a14="http://schemas.microsoft.com/office/drawing/2010/main" xmlns="">
                 <a:solidFill>
                   <a:srgbClr val="FFFFFF"/>
                 </a:solidFill>
               </a14:hiddenFill>
             </a:ext>
             <a:ext uri="{91240B29-F687-4F45-9708-019B960494DF}">
-              <a14:hiddenLine xmlns="" xmlns:a14="http://schemas.microsoft.com/office/drawing/2010/main" w="9525">
+              <a14:hiddenLine xmlns:a14="http://schemas.microsoft.com/office/drawing/2010/main" xmlns="" w="9525">
                 <a:solidFill>
                   <a:srgbClr val="000000"/>
                 </a:solidFill>
@@ -7571,7 +7625,7 @@
     </p:spTree>
     <p:extLst>
       <p:ext uri="{BB962C8B-B14F-4D97-AF65-F5344CB8AC3E}">
-        <p14:creationId xmlns="" xmlns:p14="http://schemas.microsoft.com/office/powerpoint/2010/main" val="3627707793"/>
+        <p14:creationId xmlns:p14="http://schemas.microsoft.com/office/powerpoint/2010/main" xmlns="" val="3627707793"/>
       </p:ext>
     </p:extLst>
   </p:cSld>
@@ -7655,14 +7709,14 @@
           <a:noFill/>
           <a:extLst>
             <a:ext uri="{909E8E84-426E-40DD-AFC4-6F175D3DCCD1}">
-              <a14:hiddenFill xmlns="" xmlns:a14="http://schemas.microsoft.com/office/drawing/2010/main">
+              <a14:hiddenFill xmlns:a14="http://schemas.microsoft.com/office/drawing/2010/main" xmlns="">
                 <a:solidFill>
                   <a:srgbClr val="FFFFFF"/>
                 </a:solidFill>
               </a14:hiddenFill>
             </a:ext>
             <a:ext uri="{91240B29-F687-4F45-9708-019B960494DF}">
-              <a14:hiddenLine xmlns="" xmlns:a14="http://schemas.microsoft.com/office/drawing/2010/main" w="9525">
+              <a14:hiddenLine xmlns:a14="http://schemas.microsoft.com/office/drawing/2010/main" xmlns="" w="9525">
                 <a:solidFill>
                   <a:srgbClr val="000000"/>
                 </a:solidFill>
@@ -7809,14 +7863,14 @@
           <a:noFill/>
           <a:extLst>
             <a:ext uri="{909E8E84-426E-40DD-AFC4-6F175D3DCCD1}">
-              <a14:hiddenFill xmlns="" xmlns:a14="http://schemas.microsoft.com/office/drawing/2010/main">
+              <a14:hiddenFill xmlns:a14="http://schemas.microsoft.com/office/drawing/2010/main" xmlns="">
                 <a:solidFill>
                   <a:srgbClr val="FFFFFF"/>
                 </a:solidFill>
               </a14:hiddenFill>
             </a:ext>
             <a:ext uri="{91240B29-F687-4F45-9708-019B960494DF}">
-              <a14:hiddenLine xmlns="" xmlns:a14="http://schemas.microsoft.com/office/drawing/2010/main" w="9525">
+              <a14:hiddenLine xmlns:a14="http://schemas.microsoft.com/office/drawing/2010/main" xmlns="" w="9525">
                 <a:solidFill>
                   <a:srgbClr val="000000"/>
                 </a:solidFill>
@@ -7956,14 +8010,14 @@
           <a:noFill/>
           <a:extLst>
             <a:ext uri="{909E8E84-426E-40DD-AFC4-6F175D3DCCD1}">
-              <a14:hiddenFill xmlns="" xmlns:a14="http://schemas.microsoft.com/office/drawing/2010/main">
+              <a14:hiddenFill xmlns:a14="http://schemas.microsoft.com/office/drawing/2010/main" xmlns="">
                 <a:solidFill>
                   <a:srgbClr val="FFFFFF"/>
                 </a:solidFill>
               </a14:hiddenFill>
             </a:ext>
             <a:ext uri="{91240B29-F687-4F45-9708-019B960494DF}">
-              <a14:hiddenLine xmlns="" xmlns:a14="http://schemas.microsoft.com/office/drawing/2010/main" w="9525">
+              <a14:hiddenLine xmlns:a14="http://schemas.microsoft.com/office/drawing/2010/main" xmlns="" w="9525">
                 <a:solidFill>
                   <a:srgbClr val="000000"/>
                 </a:solidFill>
